--- a/Tema6/TEMA 6 Sesion 1.pptx
+++ b/Tema6/TEMA 6 Sesion 1.pptx
@@ -151,6 +151,12 @@
         </p14:section>
       </p14:sectionLst>
     </p:ext>
+    <p:ext uri="{EFAFB233-063F-42B5-8137-9DF3F51BA10A}">
+      <p15:sldGuideLst xmlns:p15="http://schemas.microsoft.com/office/powerpoint/2012/main"/>
+    </p:ext>
+    <p:ext uri="{2D200454-40CA-4A62-9FC3-DE9A4176ACB9}">
+      <p15:notesGuideLst xmlns:p15="http://schemas.microsoft.com/office/powerpoint/2012/main"/>
+    </p:ext>
   </p:extLst>
 </p:presentation>
 </file>
@@ -237,7 +243,7 @@
           <a:p>
             <a:fld id="{731AF1D6-995E-4A6F-9914-507B54D26760}" type="datetimeFigureOut">
               <a:rPr lang="es-ES" smtClean="0"/>
-              <a:t>25/04/2023</a:t>
+              <a:t>27/04/2023</a:t>
             </a:fld>
             <a:endParaRPr lang="es-ES"/>
           </a:p>
@@ -2254,7 +2260,7 @@
           <a:p>
             <a:fld id="{8F72BA41-EC5B-4197-BCC8-0FD2E523CD7A}" type="datetimeFigureOut">
               <a:rPr lang="en-US" smtClean="0"/>
-              <a:t>4/25/2023</a:t>
+              <a:t>4/27/2023</a:t>
             </a:fld>
             <a:endParaRPr lang="en-US"/>
           </a:p>
@@ -2457,7 +2463,7 @@
           <a:p>
             <a:fld id="{8F72BA41-EC5B-4197-BCC8-0FD2E523CD7A}" type="datetimeFigureOut">
               <a:rPr lang="en-US" smtClean="0"/>
-              <a:t>4/25/2023</a:t>
+              <a:t>4/27/2023</a:t>
             </a:fld>
             <a:endParaRPr lang="en-US"/>
           </a:p>
@@ -4178,7 +4184,7 @@
           <a:p>
             <a:fld id="{8F72BA41-EC5B-4197-BCC8-0FD2E523CD7A}" type="datetimeFigureOut">
               <a:rPr lang="en-US" smtClean="0"/>
-              <a:t>4/25/2023</a:t>
+              <a:t>4/27/2023</a:t>
             </a:fld>
             <a:endParaRPr lang="en-US"/>
           </a:p>
@@ -4386,7 +4392,7 @@
           <a:p>
             <a:fld id="{8F72BA41-EC5B-4197-BCC8-0FD2E523CD7A}" type="datetimeFigureOut">
               <a:rPr lang="en-US" smtClean="0"/>
-              <a:t>4/25/2023</a:t>
+              <a:t>4/27/2023</a:t>
             </a:fld>
             <a:endParaRPr lang="en-US"/>
           </a:p>
@@ -6176,7 +6182,7 @@
           <a:p>
             <a:fld id="{8F72BA41-EC5B-4197-BCC8-0FD2E523CD7A}" type="datetimeFigureOut">
               <a:rPr lang="en-US" smtClean="0"/>
-              <a:t>4/25/2023</a:t>
+              <a:t>4/27/2023</a:t>
             </a:fld>
             <a:endParaRPr lang="en-US"/>
           </a:p>
@@ -6449,7 +6455,7 @@
           <a:p>
             <a:fld id="{8F72BA41-EC5B-4197-BCC8-0FD2E523CD7A}" type="datetimeFigureOut">
               <a:rPr lang="en-US" smtClean="0"/>
-              <a:t>4/25/2023</a:t>
+              <a:t>4/27/2023</a:t>
             </a:fld>
             <a:endParaRPr lang="en-US"/>
           </a:p>
@@ -6869,7 +6875,7 @@
           <a:p>
             <a:fld id="{8F72BA41-EC5B-4197-BCC8-0FD2E523CD7A}" type="datetimeFigureOut">
               <a:rPr lang="en-US" smtClean="0"/>
-              <a:t>4/25/2023</a:t>
+              <a:t>4/27/2023</a:t>
             </a:fld>
             <a:endParaRPr lang="en-US"/>
           </a:p>
@@ -7025,7 +7031,7 @@
           <a:p>
             <a:fld id="{8F72BA41-EC5B-4197-BCC8-0FD2E523CD7A}" type="datetimeFigureOut">
               <a:rPr lang="en-US" smtClean="0"/>
-              <a:t>4/25/2023</a:t>
+              <a:t>4/27/2023</a:t>
             </a:fld>
             <a:endParaRPr lang="en-US"/>
           </a:p>
@@ -8593,7 +8599,7 @@
           <a:p>
             <a:fld id="{8F72BA41-EC5B-4197-BCC8-0FD2E523CD7A}" type="datetimeFigureOut">
               <a:rPr lang="en-US" smtClean="0"/>
-              <a:t>4/25/2023</a:t>
+              <a:t>4/27/2023</a:t>
             </a:fld>
             <a:endParaRPr lang="en-US"/>
           </a:p>
@@ -10444,7 +10450,7 @@
           <a:p>
             <a:fld id="{8F72BA41-EC5B-4197-BCC8-0FD2E523CD7A}" type="datetimeFigureOut">
               <a:rPr lang="en-US" smtClean="0"/>
-              <a:t>4/25/2023</a:t>
+              <a:t>4/27/2023</a:t>
             </a:fld>
             <a:endParaRPr lang="en-US"/>
           </a:p>
@@ -12257,7 +12263,7 @@
           <a:p>
             <a:fld id="{8F72BA41-EC5B-4197-BCC8-0FD2E523CD7A}" type="datetimeFigureOut">
               <a:rPr lang="en-US" smtClean="0"/>
-              <a:t>4/25/2023</a:t>
+              <a:t>4/27/2023</a:t>
             </a:fld>
             <a:endParaRPr lang="en-US"/>
           </a:p>
@@ -13951,7 +13957,7 @@
             <a:fld id="{8F72BA41-EC5B-4197-BCC8-0FD2E523CD7A}" type="datetimeFigureOut">
               <a:rPr lang="en-US" smtClean="0"/>
               <a:pPr/>
-              <a:t>4/25/2023</a:t>
+              <a:t>4/27/2023</a:t>
             </a:fld>
             <a:endParaRPr lang="en-US" dirty="0"/>
           </a:p>
@@ -16338,8 +16344,14 @@
           <a:lstStyle/>
           <a:p>
             <a:r>
+              <a:rPr lang="es-ES" dirty="0"/>
+              <a:t>PROGRAMACIÓN EN BASES DE DATOS.</a:t>
+            </a:r>
+          </a:p>
+          <a:p>
+            <a:r>
               <a:rPr lang="es-ES"/>
-              <a:t>PROGRAMACIÓN EN BASES DE DATOS</a:t>
+              <a:t>SESIÓN 1.</a:t>
             </a:r>
           </a:p>
         </p:txBody>
